--- a/ppt 16-9/0981.为主殉道.pptx
+++ b/ppt 16-9/0981.为主殉道.pptx
@@ -5,7 +5,7 @@
     <p:sldMasterId id="2147483648" r:id="rId1"/>
   </p:sldMasterIdLst>
   <p:sldIdLst>
-    <p:sldId id="381" r:id="rId2"/>
+    <p:sldId id="382" r:id="rId2"/>
   </p:sldIdLst>
   <p:sldSz cx="12192000" cy="6858000"/>
   <p:notesSz cx="6858000" cy="9144000"/>
@@ -129,7 +129,7 @@
           <p:cNvPr id="2" name="标题 1">
             <a:extLst>
               <a:ext uri="{FF2B5EF4-FFF2-40B4-BE49-F238E27FC236}">
-                <a16:creationId xmlns:a16="http://schemas.microsoft.com/office/drawing/2014/main" id="{9D8353AB-894D-4516-0D00-8D2FD843173C}"/>
+                <a16:creationId xmlns:a16="http://schemas.microsoft.com/office/drawing/2014/main" id="{5EC9B392-D9CC-106A-685B-AC162C0957B3}"/>
               </a:ext>
             </a:extLst>
           </p:cNvPr>
@@ -166,7 +166,7 @@
           <p:cNvPr id="3" name="副标题 2">
             <a:extLst>
               <a:ext uri="{FF2B5EF4-FFF2-40B4-BE49-F238E27FC236}">
-                <a16:creationId xmlns:a16="http://schemas.microsoft.com/office/drawing/2014/main" id="{25D27E86-01AA-616B-54A6-516A49A18A18}"/>
+                <a16:creationId xmlns:a16="http://schemas.microsoft.com/office/drawing/2014/main" id="{48310A05-2D14-9DCB-7534-38882A4AF109}"/>
               </a:ext>
             </a:extLst>
           </p:cNvPr>
@@ -236,7 +236,7 @@
           <p:cNvPr id="4" name="日期占位符 3">
             <a:extLst>
               <a:ext uri="{FF2B5EF4-FFF2-40B4-BE49-F238E27FC236}">
-                <a16:creationId xmlns:a16="http://schemas.microsoft.com/office/drawing/2014/main" id="{56509681-AD06-5965-141E-4D33919DFAF1}"/>
+                <a16:creationId xmlns:a16="http://schemas.microsoft.com/office/drawing/2014/main" id="{99DCD34E-57F7-2528-F6B7-928B4D7AE419}"/>
               </a:ext>
             </a:extLst>
           </p:cNvPr>
@@ -252,7 +252,7 @@
           <a:bodyPr/>
           <a:lstStyle/>
           <a:p>
-            <a:fld id="{64EB96BA-9E1F-474C-A472-7B4805F35CB2}" type="datetimeFigureOut">
+            <a:fld id="{5D09D671-7445-4B1A-8ACF-7B288C200A3B}" type="datetimeFigureOut">
               <a:rPr lang="zh-CN" altLang="en-US" smtClean="0"/>
               <a:t>2024/3/10</a:t>
             </a:fld>
@@ -265,7 +265,7 @@
           <p:cNvPr id="5" name="页脚占位符 4">
             <a:extLst>
               <a:ext uri="{FF2B5EF4-FFF2-40B4-BE49-F238E27FC236}">
-                <a16:creationId xmlns:a16="http://schemas.microsoft.com/office/drawing/2014/main" id="{DF760209-2B03-3EF6-C248-D9B320CE58F0}"/>
+                <a16:creationId xmlns:a16="http://schemas.microsoft.com/office/drawing/2014/main" id="{6F762EA6-A7BE-4F7F-73EC-F3A811F29BF4}"/>
               </a:ext>
             </a:extLst>
           </p:cNvPr>
@@ -290,7 +290,7 @@
           <p:cNvPr id="6" name="灯片编号占位符 5">
             <a:extLst>
               <a:ext uri="{FF2B5EF4-FFF2-40B4-BE49-F238E27FC236}">
-                <a16:creationId xmlns:a16="http://schemas.microsoft.com/office/drawing/2014/main" id="{A991BB2C-73FC-359A-52DF-9FB43537029C}"/>
+                <a16:creationId xmlns:a16="http://schemas.microsoft.com/office/drawing/2014/main" id="{0ABBCC81-993A-ECBF-AC13-4E55334FA434}"/>
               </a:ext>
             </a:extLst>
           </p:cNvPr>
@@ -306,7 +306,7 @@
           <a:bodyPr/>
           <a:lstStyle/>
           <a:p>
-            <a:fld id="{DA1193EF-FE4B-4AFC-B1CF-7A4C3D8796F4}" type="slidenum">
+            <a:fld id="{4F729B2E-1993-4557-85E3-8507ACEA7470}" type="slidenum">
               <a:rPr lang="zh-CN" altLang="en-US" smtClean="0"/>
               <a:t>‹#›</a:t>
             </a:fld>
@@ -317,7 +317,7 @@
     </p:spTree>
     <p:extLst>
       <p:ext uri="{BB962C8B-B14F-4D97-AF65-F5344CB8AC3E}">
-        <p14:creationId xmlns:p14="http://schemas.microsoft.com/office/powerpoint/2010/main" val="564875604"/>
+        <p14:creationId xmlns:p14="http://schemas.microsoft.com/office/powerpoint/2010/main" val="3537433653"/>
       </p:ext>
     </p:extLst>
   </p:cSld>
@@ -349,7 +349,7 @@
           <p:cNvPr id="2" name="标题 1">
             <a:extLst>
               <a:ext uri="{FF2B5EF4-FFF2-40B4-BE49-F238E27FC236}">
-                <a16:creationId xmlns:a16="http://schemas.microsoft.com/office/drawing/2014/main" id="{904622BA-6E00-B95D-2CB6-97152D094843}"/>
+                <a16:creationId xmlns:a16="http://schemas.microsoft.com/office/drawing/2014/main" id="{4B14BBC5-2B9A-476F-A17B-F8531634743B}"/>
               </a:ext>
             </a:extLst>
           </p:cNvPr>
@@ -377,7 +377,7 @@
           <p:cNvPr id="3" name="竖排文字占位符 2">
             <a:extLst>
               <a:ext uri="{FF2B5EF4-FFF2-40B4-BE49-F238E27FC236}">
-                <a16:creationId xmlns:a16="http://schemas.microsoft.com/office/drawing/2014/main" id="{26C682BB-94C1-5A41-FE6E-E89B8CF650E6}"/>
+                <a16:creationId xmlns:a16="http://schemas.microsoft.com/office/drawing/2014/main" id="{9B287AF5-2E4A-C8E6-35FC-2443D1873F08}"/>
               </a:ext>
             </a:extLst>
           </p:cNvPr>
@@ -434,7 +434,7 @@
           <p:cNvPr id="4" name="日期占位符 3">
             <a:extLst>
               <a:ext uri="{FF2B5EF4-FFF2-40B4-BE49-F238E27FC236}">
-                <a16:creationId xmlns:a16="http://schemas.microsoft.com/office/drawing/2014/main" id="{5BBA4B2D-9F94-BF98-6D56-463D96ABB2F9}"/>
+                <a16:creationId xmlns:a16="http://schemas.microsoft.com/office/drawing/2014/main" id="{CD37E76B-FA3D-EE43-312E-26EAC3ECA67C}"/>
               </a:ext>
             </a:extLst>
           </p:cNvPr>
@@ -450,7 +450,7 @@
           <a:bodyPr/>
           <a:lstStyle/>
           <a:p>
-            <a:fld id="{64EB96BA-9E1F-474C-A472-7B4805F35CB2}" type="datetimeFigureOut">
+            <a:fld id="{5D09D671-7445-4B1A-8ACF-7B288C200A3B}" type="datetimeFigureOut">
               <a:rPr lang="zh-CN" altLang="en-US" smtClean="0"/>
               <a:t>2024/3/10</a:t>
             </a:fld>
@@ -463,7 +463,7 @@
           <p:cNvPr id="5" name="页脚占位符 4">
             <a:extLst>
               <a:ext uri="{FF2B5EF4-FFF2-40B4-BE49-F238E27FC236}">
-                <a16:creationId xmlns:a16="http://schemas.microsoft.com/office/drawing/2014/main" id="{C9700E3D-5DBB-8F39-B698-1C9E7B9B6083}"/>
+                <a16:creationId xmlns:a16="http://schemas.microsoft.com/office/drawing/2014/main" id="{75B95D6A-8AAE-68BD-9C90-AB99577760FB}"/>
               </a:ext>
             </a:extLst>
           </p:cNvPr>
@@ -488,7 +488,7 @@
           <p:cNvPr id="6" name="灯片编号占位符 5">
             <a:extLst>
               <a:ext uri="{FF2B5EF4-FFF2-40B4-BE49-F238E27FC236}">
-                <a16:creationId xmlns:a16="http://schemas.microsoft.com/office/drawing/2014/main" id="{AECA0898-FCD3-0409-DCF5-049357A0E4F0}"/>
+                <a16:creationId xmlns:a16="http://schemas.microsoft.com/office/drawing/2014/main" id="{736EB0A3-D11B-1651-5F2E-F1EDB74438F9}"/>
               </a:ext>
             </a:extLst>
           </p:cNvPr>
@@ -504,7 +504,7 @@
           <a:bodyPr/>
           <a:lstStyle/>
           <a:p>
-            <a:fld id="{DA1193EF-FE4B-4AFC-B1CF-7A4C3D8796F4}" type="slidenum">
+            <a:fld id="{4F729B2E-1993-4557-85E3-8507ACEA7470}" type="slidenum">
               <a:rPr lang="zh-CN" altLang="en-US" smtClean="0"/>
               <a:t>‹#›</a:t>
             </a:fld>
@@ -515,7 +515,7 @@
     </p:spTree>
     <p:extLst>
       <p:ext uri="{BB962C8B-B14F-4D97-AF65-F5344CB8AC3E}">
-        <p14:creationId xmlns:p14="http://schemas.microsoft.com/office/powerpoint/2010/main" val="1380996490"/>
+        <p14:creationId xmlns:p14="http://schemas.microsoft.com/office/powerpoint/2010/main" val="3792203482"/>
       </p:ext>
     </p:extLst>
   </p:cSld>
@@ -547,7 +547,7 @@
           <p:cNvPr id="2" name="竖排标题 1">
             <a:extLst>
               <a:ext uri="{FF2B5EF4-FFF2-40B4-BE49-F238E27FC236}">
-                <a16:creationId xmlns:a16="http://schemas.microsoft.com/office/drawing/2014/main" id="{85737540-5478-241D-9363-ECFF992F4E42}"/>
+                <a16:creationId xmlns:a16="http://schemas.microsoft.com/office/drawing/2014/main" id="{43EDA2AA-B026-6959-36A9-C36F949275D4}"/>
               </a:ext>
             </a:extLst>
           </p:cNvPr>
@@ -580,7 +580,7 @@
           <p:cNvPr id="3" name="竖排文字占位符 2">
             <a:extLst>
               <a:ext uri="{FF2B5EF4-FFF2-40B4-BE49-F238E27FC236}">
-                <a16:creationId xmlns:a16="http://schemas.microsoft.com/office/drawing/2014/main" id="{4DBD041E-B560-BF86-2F31-B144852EB851}"/>
+                <a16:creationId xmlns:a16="http://schemas.microsoft.com/office/drawing/2014/main" id="{C5F72B23-2D6C-98D6-7911-A1A1903B1C09}"/>
               </a:ext>
             </a:extLst>
           </p:cNvPr>
@@ -642,7 +642,7 @@
           <p:cNvPr id="4" name="日期占位符 3">
             <a:extLst>
               <a:ext uri="{FF2B5EF4-FFF2-40B4-BE49-F238E27FC236}">
-                <a16:creationId xmlns:a16="http://schemas.microsoft.com/office/drawing/2014/main" id="{11D3D95E-A9DC-F5D9-4B55-C53ED918CB4F}"/>
+                <a16:creationId xmlns:a16="http://schemas.microsoft.com/office/drawing/2014/main" id="{4A1F5C73-4EEA-5AC7-D06F-B3BDB9693592}"/>
               </a:ext>
             </a:extLst>
           </p:cNvPr>
@@ -658,7 +658,7 @@
           <a:bodyPr/>
           <a:lstStyle/>
           <a:p>
-            <a:fld id="{64EB96BA-9E1F-474C-A472-7B4805F35CB2}" type="datetimeFigureOut">
+            <a:fld id="{5D09D671-7445-4B1A-8ACF-7B288C200A3B}" type="datetimeFigureOut">
               <a:rPr lang="zh-CN" altLang="en-US" smtClean="0"/>
               <a:t>2024/3/10</a:t>
             </a:fld>
@@ -671,7 +671,7 @@
           <p:cNvPr id="5" name="页脚占位符 4">
             <a:extLst>
               <a:ext uri="{FF2B5EF4-FFF2-40B4-BE49-F238E27FC236}">
-                <a16:creationId xmlns:a16="http://schemas.microsoft.com/office/drawing/2014/main" id="{878F657C-02DE-E408-5158-337F11F48656}"/>
+                <a16:creationId xmlns:a16="http://schemas.microsoft.com/office/drawing/2014/main" id="{6A89624C-5574-6115-93AD-5562EEBAF97D}"/>
               </a:ext>
             </a:extLst>
           </p:cNvPr>
@@ -696,7 +696,7 @@
           <p:cNvPr id="6" name="灯片编号占位符 5">
             <a:extLst>
               <a:ext uri="{FF2B5EF4-FFF2-40B4-BE49-F238E27FC236}">
-                <a16:creationId xmlns:a16="http://schemas.microsoft.com/office/drawing/2014/main" id="{4AD3A212-EC10-FEF7-D7AB-9CAAE8530E8F}"/>
+                <a16:creationId xmlns:a16="http://schemas.microsoft.com/office/drawing/2014/main" id="{537F9F26-6B1D-99AA-76EF-B96F1839A4FB}"/>
               </a:ext>
             </a:extLst>
           </p:cNvPr>
@@ -712,7 +712,7 @@
           <a:bodyPr/>
           <a:lstStyle/>
           <a:p>
-            <a:fld id="{DA1193EF-FE4B-4AFC-B1CF-7A4C3D8796F4}" type="slidenum">
+            <a:fld id="{4F729B2E-1993-4557-85E3-8507ACEA7470}" type="slidenum">
               <a:rPr lang="zh-CN" altLang="en-US" smtClean="0"/>
               <a:t>‹#›</a:t>
             </a:fld>
@@ -723,7 +723,7 @@
     </p:spTree>
     <p:extLst>
       <p:ext uri="{BB962C8B-B14F-4D97-AF65-F5344CB8AC3E}">
-        <p14:creationId xmlns:p14="http://schemas.microsoft.com/office/powerpoint/2010/main" val="3477418194"/>
+        <p14:creationId xmlns:p14="http://schemas.microsoft.com/office/powerpoint/2010/main" val="1201542012"/>
       </p:ext>
     </p:extLst>
   </p:cSld>
@@ -755,7 +755,7 @@
           <p:cNvPr id="2" name="标题 1">
             <a:extLst>
               <a:ext uri="{FF2B5EF4-FFF2-40B4-BE49-F238E27FC236}">
-                <a16:creationId xmlns:a16="http://schemas.microsoft.com/office/drawing/2014/main" id="{3282CF80-7666-953E-81F1-E492583465AD}"/>
+                <a16:creationId xmlns:a16="http://schemas.microsoft.com/office/drawing/2014/main" id="{B3D0BA37-BA2A-36E9-FCE6-35214AA8BA81}"/>
               </a:ext>
             </a:extLst>
           </p:cNvPr>
@@ -783,7 +783,7 @@
           <p:cNvPr id="3" name="内容占位符 2">
             <a:extLst>
               <a:ext uri="{FF2B5EF4-FFF2-40B4-BE49-F238E27FC236}">
-                <a16:creationId xmlns:a16="http://schemas.microsoft.com/office/drawing/2014/main" id="{F61408E5-262D-E11A-6CAF-A412F27F2650}"/>
+                <a16:creationId xmlns:a16="http://schemas.microsoft.com/office/drawing/2014/main" id="{B045AA2F-C023-940B-386F-9DAE59FD483A}"/>
               </a:ext>
             </a:extLst>
           </p:cNvPr>
@@ -840,7 +840,7 @@
           <p:cNvPr id="4" name="日期占位符 3">
             <a:extLst>
               <a:ext uri="{FF2B5EF4-FFF2-40B4-BE49-F238E27FC236}">
-                <a16:creationId xmlns:a16="http://schemas.microsoft.com/office/drawing/2014/main" id="{A53EAE42-C2A7-678A-1F43-63C917201E75}"/>
+                <a16:creationId xmlns:a16="http://schemas.microsoft.com/office/drawing/2014/main" id="{917157D1-C869-0735-0852-663896C7E0C4}"/>
               </a:ext>
             </a:extLst>
           </p:cNvPr>
@@ -856,7 +856,7 @@
           <a:bodyPr/>
           <a:lstStyle/>
           <a:p>
-            <a:fld id="{64EB96BA-9E1F-474C-A472-7B4805F35CB2}" type="datetimeFigureOut">
+            <a:fld id="{5D09D671-7445-4B1A-8ACF-7B288C200A3B}" type="datetimeFigureOut">
               <a:rPr lang="zh-CN" altLang="en-US" smtClean="0"/>
               <a:t>2024/3/10</a:t>
             </a:fld>
@@ -869,7 +869,7 @@
           <p:cNvPr id="5" name="页脚占位符 4">
             <a:extLst>
               <a:ext uri="{FF2B5EF4-FFF2-40B4-BE49-F238E27FC236}">
-                <a16:creationId xmlns:a16="http://schemas.microsoft.com/office/drawing/2014/main" id="{0BDAFC72-8829-EA32-24D8-D9292D5C46BF}"/>
+                <a16:creationId xmlns:a16="http://schemas.microsoft.com/office/drawing/2014/main" id="{6D603177-A9A8-CE11-6FDB-D53BEA626B73}"/>
               </a:ext>
             </a:extLst>
           </p:cNvPr>
@@ -894,7 +894,7 @@
           <p:cNvPr id="6" name="灯片编号占位符 5">
             <a:extLst>
               <a:ext uri="{FF2B5EF4-FFF2-40B4-BE49-F238E27FC236}">
-                <a16:creationId xmlns:a16="http://schemas.microsoft.com/office/drawing/2014/main" id="{337A4BF8-0EA3-190E-7D48-38DF869F0650}"/>
+                <a16:creationId xmlns:a16="http://schemas.microsoft.com/office/drawing/2014/main" id="{5E4DDD04-B8D0-9975-5F90-A33ED8878BA5}"/>
               </a:ext>
             </a:extLst>
           </p:cNvPr>
@@ -910,7 +910,7 @@
           <a:bodyPr/>
           <a:lstStyle/>
           <a:p>
-            <a:fld id="{DA1193EF-FE4B-4AFC-B1CF-7A4C3D8796F4}" type="slidenum">
+            <a:fld id="{4F729B2E-1993-4557-85E3-8507ACEA7470}" type="slidenum">
               <a:rPr lang="zh-CN" altLang="en-US" smtClean="0"/>
               <a:t>‹#›</a:t>
             </a:fld>
@@ -921,7 +921,7 @@
     </p:spTree>
     <p:extLst>
       <p:ext uri="{BB962C8B-B14F-4D97-AF65-F5344CB8AC3E}">
-        <p14:creationId xmlns:p14="http://schemas.microsoft.com/office/powerpoint/2010/main" val="1411065902"/>
+        <p14:creationId xmlns:p14="http://schemas.microsoft.com/office/powerpoint/2010/main" val="699501282"/>
       </p:ext>
     </p:extLst>
   </p:cSld>
@@ -953,7 +953,7 @@
           <p:cNvPr id="2" name="标题 1">
             <a:extLst>
               <a:ext uri="{FF2B5EF4-FFF2-40B4-BE49-F238E27FC236}">
-                <a16:creationId xmlns:a16="http://schemas.microsoft.com/office/drawing/2014/main" id="{AFFC4C71-8B72-DAF2-3EE4-7F12BE33B35A}"/>
+                <a16:creationId xmlns:a16="http://schemas.microsoft.com/office/drawing/2014/main" id="{31EEBF9C-5E12-C8BB-D790-5D3700EE603D}"/>
               </a:ext>
             </a:extLst>
           </p:cNvPr>
@@ -990,7 +990,7 @@
           <p:cNvPr id="3" name="文本占位符 2">
             <a:extLst>
               <a:ext uri="{FF2B5EF4-FFF2-40B4-BE49-F238E27FC236}">
-                <a16:creationId xmlns:a16="http://schemas.microsoft.com/office/drawing/2014/main" id="{50CE3433-8EC5-F58C-7450-0651B14DB3AD}"/>
+                <a16:creationId xmlns:a16="http://schemas.microsoft.com/office/drawing/2014/main" id="{D7228454-E5D6-5485-BBCF-FBF67469ACE0}"/>
               </a:ext>
             </a:extLst>
           </p:cNvPr>
@@ -1115,7 +1115,7 @@
           <p:cNvPr id="4" name="日期占位符 3">
             <a:extLst>
               <a:ext uri="{FF2B5EF4-FFF2-40B4-BE49-F238E27FC236}">
-                <a16:creationId xmlns:a16="http://schemas.microsoft.com/office/drawing/2014/main" id="{E2A114CD-5ADE-F1AD-3DE1-2BB571F6E417}"/>
+                <a16:creationId xmlns:a16="http://schemas.microsoft.com/office/drawing/2014/main" id="{3F5579DB-1D18-004D-3E26-09D47B10CADF}"/>
               </a:ext>
             </a:extLst>
           </p:cNvPr>
@@ -1131,7 +1131,7 @@
           <a:bodyPr/>
           <a:lstStyle/>
           <a:p>
-            <a:fld id="{64EB96BA-9E1F-474C-A472-7B4805F35CB2}" type="datetimeFigureOut">
+            <a:fld id="{5D09D671-7445-4B1A-8ACF-7B288C200A3B}" type="datetimeFigureOut">
               <a:rPr lang="zh-CN" altLang="en-US" smtClean="0"/>
               <a:t>2024/3/10</a:t>
             </a:fld>
@@ -1144,7 +1144,7 @@
           <p:cNvPr id="5" name="页脚占位符 4">
             <a:extLst>
               <a:ext uri="{FF2B5EF4-FFF2-40B4-BE49-F238E27FC236}">
-                <a16:creationId xmlns:a16="http://schemas.microsoft.com/office/drawing/2014/main" id="{E61E5AFE-F24E-C260-69E0-16D7BF0A282C}"/>
+                <a16:creationId xmlns:a16="http://schemas.microsoft.com/office/drawing/2014/main" id="{ED99B500-7841-D00F-1888-CA1E754ACABC}"/>
               </a:ext>
             </a:extLst>
           </p:cNvPr>
@@ -1169,7 +1169,7 @@
           <p:cNvPr id="6" name="灯片编号占位符 5">
             <a:extLst>
               <a:ext uri="{FF2B5EF4-FFF2-40B4-BE49-F238E27FC236}">
-                <a16:creationId xmlns:a16="http://schemas.microsoft.com/office/drawing/2014/main" id="{373456F5-D34D-242B-4D7D-89D2E87A4BDA}"/>
+                <a16:creationId xmlns:a16="http://schemas.microsoft.com/office/drawing/2014/main" id="{650DE3D4-3B40-847E-036D-7D44C64C3BAB}"/>
               </a:ext>
             </a:extLst>
           </p:cNvPr>
@@ -1185,7 +1185,7 @@
           <a:bodyPr/>
           <a:lstStyle/>
           <a:p>
-            <a:fld id="{DA1193EF-FE4B-4AFC-B1CF-7A4C3D8796F4}" type="slidenum">
+            <a:fld id="{4F729B2E-1993-4557-85E3-8507ACEA7470}" type="slidenum">
               <a:rPr lang="zh-CN" altLang="en-US" smtClean="0"/>
               <a:t>‹#›</a:t>
             </a:fld>
@@ -1196,7 +1196,7 @@
     </p:spTree>
     <p:extLst>
       <p:ext uri="{BB962C8B-B14F-4D97-AF65-F5344CB8AC3E}">
-        <p14:creationId xmlns:p14="http://schemas.microsoft.com/office/powerpoint/2010/main" val="2103080622"/>
+        <p14:creationId xmlns:p14="http://schemas.microsoft.com/office/powerpoint/2010/main" val="2006181996"/>
       </p:ext>
     </p:extLst>
   </p:cSld>
@@ -1228,7 +1228,7 @@
           <p:cNvPr id="2" name="标题 1">
             <a:extLst>
               <a:ext uri="{FF2B5EF4-FFF2-40B4-BE49-F238E27FC236}">
-                <a16:creationId xmlns:a16="http://schemas.microsoft.com/office/drawing/2014/main" id="{2280E4C9-EC65-386A-11AE-6B39A7B5F8D8}"/>
+                <a16:creationId xmlns:a16="http://schemas.microsoft.com/office/drawing/2014/main" id="{2F4F0D24-FBC0-B7B1-4DF2-D71FDD66D95B}"/>
               </a:ext>
             </a:extLst>
           </p:cNvPr>
@@ -1256,7 +1256,7 @@
           <p:cNvPr id="3" name="内容占位符 2">
             <a:extLst>
               <a:ext uri="{FF2B5EF4-FFF2-40B4-BE49-F238E27FC236}">
-                <a16:creationId xmlns:a16="http://schemas.microsoft.com/office/drawing/2014/main" id="{073FCC40-8705-174A-649C-8F29FF30C81C}"/>
+                <a16:creationId xmlns:a16="http://schemas.microsoft.com/office/drawing/2014/main" id="{E50D98B8-98C6-0BDE-2673-6867C779FE94}"/>
               </a:ext>
             </a:extLst>
           </p:cNvPr>
@@ -1318,7 +1318,7 @@
           <p:cNvPr id="4" name="内容占位符 3">
             <a:extLst>
               <a:ext uri="{FF2B5EF4-FFF2-40B4-BE49-F238E27FC236}">
-                <a16:creationId xmlns:a16="http://schemas.microsoft.com/office/drawing/2014/main" id="{0F80B640-F017-D274-2E0C-D8308506270B}"/>
+                <a16:creationId xmlns:a16="http://schemas.microsoft.com/office/drawing/2014/main" id="{028A7981-977B-D6D7-4C06-924FFD2EE4FA}"/>
               </a:ext>
             </a:extLst>
           </p:cNvPr>
@@ -1380,7 +1380,7 @@
           <p:cNvPr id="5" name="日期占位符 4">
             <a:extLst>
               <a:ext uri="{FF2B5EF4-FFF2-40B4-BE49-F238E27FC236}">
-                <a16:creationId xmlns:a16="http://schemas.microsoft.com/office/drawing/2014/main" id="{320690A8-EF61-0533-AEDF-AB7D21DF908A}"/>
+                <a16:creationId xmlns:a16="http://schemas.microsoft.com/office/drawing/2014/main" id="{39ECDD46-990E-E8BD-FECF-5999D1932825}"/>
               </a:ext>
             </a:extLst>
           </p:cNvPr>
@@ -1396,7 +1396,7 @@
           <a:bodyPr/>
           <a:lstStyle/>
           <a:p>
-            <a:fld id="{64EB96BA-9E1F-474C-A472-7B4805F35CB2}" type="datetimeFigureOut">
+            <a:fld id="{5D09D671-7445-4B1A-8ACF-7B288C200A3B}" type="datetimeFigureOut">
               <a:rPr lang="zh-CN" altLang="en-US" smtClean="0"/>
               <a:t>2024/3/10</a:t>
             </a:fld>
@@ -1409,7 +1409,7 @@
           <p:cNvPr id="6" name="页脚占位符 5">
             <a:extLst>
               <a:ext uri="{FF2B5EF4-FFF2-40B4-BE49-F238E27FC236}">
-                <a16:creationId xmlns:a16="http://schemas.microsoft.com/office/drawing/2014/main" id="{982D06A8-DD43-EE09-332E-E7130CF30EE2}"/>
+                <a16:creationId xmlns:a16="http://schemas.microsoft.com/office/drawing/2014/main" id="{A14833DC-BAE4-F21D-6A03-25BEFB0D45B0}"/>
               </a:ext>
             </a:extLst>
           </p:cNvPr>
@@ -1434,7 +1434,7 @@
           <p:cNvPr id="7" name="灯片编号占位符 6">
             <a:extLst>
               <a:ext uri="{FF2B5EF4-FFF2-40B4-BE49-F238E27FC236}">
-                <a16:creationId xmlns:a16="http://schemas.microsoft.com/office/drawing/2014/main" id="{11D5D963-307A-DAD9-10A2-C728737E7004}"/>
+                <a16:creationId xmlns:a16="http://schemas.microsoft.com/office/drawing/2014/main" id="{9884F2C0-8573-4E6F-3ED5-AD330A2A57F1}"/>
               </a:ext>
             </a:extLst>
           </p:cNvPr>
@@ -1450,7 +1450,7 @@
           <a:bodyPr/>
           <a:lstStyle/>
           <a:p>
-            <a:fld id="{DA1193EF-FE4B-4AFC-B1CF-7A4C3D8796F4}" type="slidenum">
+            <a:fld id="{4F729B2E-1993-4557-85E3-8507ACEA7470}" type="slidenum">
               <a:rPr lang="zh-CN" altLang="en-US" smtClean="0"/>
               <a:t>‹#›</a:t>
             </a:fld>
@@ -1461,7 +1461,7 @@
     </p:spTree>
     <p:extLst>
       <p:ext uri="{BB962C8B-B14F-4D97-AF65-F5344CB8AC3E}">
-        <p14:creationId xmlns:p14="http://schemas.microsoft.com/office/powerpoint/2010/main" val="3763073946"/>
+        <p14:creationId xmlns:p14="http://schemas.microsoft.com/office/powerpoint/2010/main" val="3719970266"/>
       </p:ext>
     </p:extLst>
   </p:cSld>
@@ -1493,7 +1493,7 @@
           <p:cNvPr id="2" name="标题 1">
             <a:extLst>
               <a:ext uri="{FF2B5EF4-FFF2-40B4-BE49-F238E27FC236}">
-                <a16:creationId xmlns:a16="http://schemas.microsoft.com/office/drawing/2014/main" id="{C261F667-DF64-1787-0992-3981FFD148D4}"/>
+                <a16:creationId xmlns:a16="http://schemas.microsoft.com/office/drawing/2014/main" id="{611805F2-8F69-D596-F6A3-C2A64D34C082}"/>
               </a:ext>
             </a:extLst>
           </p:cNvPr>
@@ -1526,7 +1526,7 @@
           <p:cNvPr id="3" name="文本占位符 2">
             <a:extLst>
               <a:ext uri="{FF2B5EF4-FFF2-40B4-BE49-F238E27FC236}">
-                <a16:creationId xmlns:a16="http://schemas.microsoft.com/office/drawing/2014/main" id="{F05FCC36-3663-277B-29F0-105F879122E6}"/>
+                <a16:creationId xmlns:a16="http://schemas.microsoft.com/office/drawing/2014/main" id="{801EF434-6482-105D-FAFA-0266A39EF2B2}"/>
               </a:ext>
             </a:extLst>
           </p:cNvPr>
@@ -1597,7 +1597,7 @@
           <p:cNvPr id="4" name="内容占位符 3">
             <a:extLst>
               <a:ext uri="{FF2B5EF4-FFF2-40B4-BE49-F238E27FC236}">
-                <a16:creationId xmlns:a16="http://schemas.microsoft.com/office/drawing/2014/main" id="{029690B6-7E6A-66DC-8870-FFBC63E0F8C3}"/>
+                <a16:creationId xmlns:a16="http://schemas.microsoft.com/office/drawing/2014/main" id="{6CB9B29F-112F-05F8-77FF-069B9D4EC9C6}"/>
               </a:ext>
             </a:extLst>
           </p:cNvPr>
@@ -1659,7 +1659,7 @@
           <p:cNvPr id="5" name="文本占位符 4">
             <a:extLst>
               <a:ext uri="{FF2B5EF4-FFF2-40B4-BE49-F238E27FC236}">
-                <a16:creationId xmlns:a16="http://schemas.microsoft.com/office/drawing/2014/main" id="{1FE6CD64-B33A-020E-7E7E-46882DDCF015}"/>
+                <a16:creationId xmlns:a16="http://schemas.microsoft.com/office/drawing/2014/main" id="{5E85E431-3EBB-4F0C-0D7A-1C32B752E28C}"/>
               </a:ext>
             </a:extLst>
           </p:cNvPr>
@@ -1730,7 +1730,7 @@
           <p:cNvPr id="6" name="内容占位符 5">
             <a:extLst>
               <a:ext uri="{FF2B5EF4-FFF2-40B4-BE49-F238E27FC236}">
-                <a16:creationId xmlns:a16="http://schemas.microsoft.com/office/drawing/2014/main" id="{B7900A13-C81F-6BCC-4498-9CDFAB9A07F3}"/>
+                <a16:creationId xmlns:a16="http://schemas.microsoft.com/office/drawing/2014/main" id="{66FB9337-9B55-671D-5DCD-A5A731C7AB6A}"/>
               </a:ext>
             </a:extLst>
           </p:cNvPr>
@@ -1792,7 +1792,7 @@
           <p:cNvPr id="7" name="日期占位符 6">
             <a:extLst>
               <a:ext uri="{FF2B5EF4-FFF2-40B4-BE49-F238E27FC236}">
-                <a16:creationId xmlns:a16="http://schemas.microsoft.com/office/drawing/2014/main" id="{D6EA84E0-30FA-D0C6-E1B9-A8C63A01F6ED}"/>
+                <a16:creationId xmlns:a16="http://schemas.microsoft.com/office/drawing/2014/main" id="{FD561FBA-A200-D4E1-5D71-ABA8E46CA477}"/>
               </a:ext>
             </a:extLst>
           </p:cNvPr>
@@ -1808,7 +1808,7 @@
           <a:bodyPr/>
           <a:lstStyle/>
           <a:p>
-            <a:fld id="{64EB96BA-9E1F-474C-A472-7B4805F35CB2}" type="datetimeFigureOut">
+            <a:fld id="{5D09D671-7445-4B1A-8ACF-7B288C200A3B}" type="datetimeFigureOut">
               <a:rPr lang="zh-CN" altLang="en-US" smtClean="0"/>
               <a:t>2024/3/10</a:t>
             </a:fld>
@@ -1821,7 +1821,7 @@
           <p:cNvPr id="8" name="页脚占位符 7">
             <a:extLst>
               <a:ext uri="{FF2B5EF4-FFF2-40B4-BE49-F238E27FC236}">
-                <a16:creationId xmlns:a16="http://schemas.microsoft.com/office/drawing/2014/main" id="{ED291259-2628-7A55-1E64-3B3FABA2A262}"/>
+                <a16:creationId xmlns:a16="http://schemas.microsoft.com/office/drawing/2014/main" id="{2EF19601-D232-D5A0-836D-C32A3CE726E9}"/>
               </a:ext>
             </a:extLst>
           </p:cNvPr>
@@ -1846,7 +1846,7 @@
           <p:cNvPr id="9" name="灯片编号占位符 8">
             <a:extLst>
               <a:ext uri="{FF2B5EF4-FFF2-40B4-BE49-F238E27FC236}">
-                <a16:creationId xmlns:a16="http://schemas.microsoft.com/office/drawing/2014/main" id="{C6730E7C-8BED-059E-E7D2-55D8F5A0FCDE}"/>
+                <a16:creationId xmlns:a16="http://schemas.microsoft.com/office/drawing/2014/main" id="{BE956F8C-7B4C-6CB5-0FF1-E9B59A9C5796}"/>
               </a:ext>
             </a:extLst>
           </p:cNvPr>
@@ -1862,7 +1862,7 @@
           <a:bodyPr/>
           <a:lstStyle/>
           <a:p>
-            <a:fld id="{DA1193EF-FE4B-4AFC-B1CF-7A4C3D8796F4}" type="slidenum">
+            <a:fld id="{4F729B2E-1993-4557-85E3-8507ACEA7470}" type="slidenum">
               <a:rPr lang="zh-CN" altLang="en-US" smtClean="0"/>
               <a:t>‹#›</a:t>
             </a:fld>
@@ -1873,7 +1873,7 @@
     </p:spTree>
     <p:extLst>
       <p:ext uri="{BB962C8B-B14F-4D97-AF65-F5344CB8AC3E}">
-        <p14:creationId xmlns:p14="http://schemas.microsoft.com/office/powerpoint/2010/main" val="3007741242"/>
+        <p14:creationId xmlns:p14="http://schemas.microsoft.com/office/powerpoint/2010/main" val="4248035916"/>
       </p:ext>
     </p:extLst>
   </p:cSld>
@@ -1905,7 +1905,7 @@
           <p:cNvPr id="2" name="标题 1">
             <a:extLst>
               <a:ext uri="{FF2B5EF4-FFF2-40B4-BE49-F238E27FC236}">
-                <a16:creationId xmlns:a16="http://schemas.microsoft.com/office/drawing/2014/main" id="{893B21A7-EEE9-7231-40BA-227836E6A10B}"/>
+                <a16:creationId xmlns:a16="http://schemas.microsoft.com/office/drawing/2014/main" id="{22738A81-E86D-7276-4C42-8D765C183975}"/>
               </a:ext>
             </a:extLst>
           </p:cNvPr>
@@ -1933,7 +1933,7 @@
           <p:cNvPr id="3" name="日期占位符 2">
             <a:extLst>
               <a:ext uri="{FF2B5EF4-FFF2-40B4-BE49-F238E27FC236}">
-                <a16:creationId xmlns:a16="http://schemas.microsoft.com/office/drawing/2014/main" id="{FA04F424-D38B-76C6-0681-CE675DDE9677}"/>
+                <a16:creationId xmlns:a16="http://schemas.microsoft.com/office/drawing/2014/main" id="{BB6D8531-D68D-239D-95DE-2746D93D8624}"/>
               </a:ext>
             </a:extLst>
           </p:cNvPr>
@@ -1949,7 +1949,7 @@
           <a:bodyPr/>
           <a:lstStyle/>
           <a:p>
-            <a:fld id="{64EB96BA-9E1F-474C-A472-7B4805F35CB2}" type="datetimeFigureOut">
+            <a:fld id="{5D09D671-7445-4B1A-8ACF-7B288C200A3B}" type="datetimeFigureOut">
               <a:rPr lang="zh-CN" altLang="en-US" smtClean="0"/>
               <a:t>2024/3/10</a:t>
             </a:fld>
@@ -1962,7 +1962,7 @@
           <p:cNvPr id="4" name="页脚占位符 3">
             <a:extLst>
               <a:ext uri="{FF2B5EF4-FFF2-40B4-BE49-F238E27FC236}">
-                <a16:creationId xmlns:a16="http://schemas.microsoft.com/office/drawing/2014/main" id="{8448DA65-C6B6-3360-DE63-28278EED3B02}"/>
+                <a16:creationId xmlns:a16="http://schemas.microsoft.com/office/drawing/2014/main" id="{503855B3-6252-31D9-1603-9C9976DFAA7B}"/>
               </a:ext>
             </a:extLst>
           </p:cNvPr>
@@ -1987,7 +1987,7 @@
           <p:cNvPr id="5" name="灯片编号占位符 4">
             <a:extLst>
               <a:ext uri="{FF2B5EF4-FFF2-40B4-BE49-F238E27FC236}">
-                <a16:creationId xmlns:a16="http://schemas.microsoft.com/office/drawing/2014/main" id="{6F2731AB-DA94-96F2-B9B9-2EE30B4F7EDE}"/>
+                <a16:creationId xmlns:a16="http://schemas.microsoft.com/office/drawing/2014/main" id="{DE1E341E-3B0D-0BC5-01C8-3D4A84550131}"/>
               </a:ext>
             </a:extLst>
           </p:cNvPr>
@@ -2003,7 +2003,7 @@
           <a:bodyPr/>
           <a:lstStyle/>
           <a:p>
-            <a:fld id="{DA1193EF-FE4B-4AFC-B1CF-7A4C3D8796F4}" type="slidenum">
+            <a:fld id="{4F729B2E-1993-4557-85E3-8507ACEA7470}" type="slidenum">
               <a:rPr lang="zh-CN" altLang="en-US" smtClean="0"/>
               <a:t>‹#›</a:t>
             </a:fld>
@@ -2014,7 +2014,7 @@
     </p:spTree>
     <p:extLst>
       <p:ext uri="{BB962C8B-B14F-4D97-AF65-F5344CB8AC3E}">
-        <p14:creationId xmlns:p14="http://schemas.microsoft.com/office/powerpoint/2010/main" val="3166124303"/>
+        <p14:creationId xmlns:p14="http://schemas.microsoft.com/office/powerpoint/2010/main" val="1049086281"/>
       </p:ext>
     </p:extLst>
   </p:cSld>
@@ -2046,7 +2046,7 @@
           <p:cNvPr id="2" name="日期占位符 1">
             <a:extLst>
               <a:ext uri="{FF2B5EF4-FFF2-40B4-BE49-F238E27FC236}">
-                <a16:creationId xmlns:a16="http://schemas.microsoft.com/office/drawing/2014/main" id="{843B6CA4-0A22-C88E-6220-5AA78A367136}"/>
+                <a16:creationId xmlns:a16="http://schemas.microsoft.com/office/drawing/2014/main" id="{2AB3A73E-F0D2-4A27-6657-514DD5322D0D}"/>
               </a:ext>
             </a:extLst>
           </p:cNvPr>
@@ -2062,7 +2062,7 @@
           <a:bodyPr/>
           <a:lstStyle/>
           <a:p>
-            <a:fld id="{64EB96BA-9E1F-474C-A472-7B4805F35CB2}" type="datetimeFigureOut">
+            <a:fld id="{5D09D671-7445-4B1A-8ACF-7B288C200A3B}" type="datetimeFigureOut">
               <a:rPr lang="zh-CN" altLang="en-US" smtClean="0"/>
               <a:t>2024/3/10</a:t>
             </a:fld>
@@ -2075,7 +2075,7 @@
           <p:cNvPr id="3" name="页脚占位符 2">
             <a:extLst>
               <a:ext uri="{FF2B5EF4-FFF2-40B4-BE49-F238E27FC236}">
-                <a16:creationId xmlns:a16="http://schemas.microsoft.com/office/drawing/2014/main" id="{F98BD9D4-011F-8AB1-FB37-99DB473AA008}"/>
+                <a16:creationId xmlns:a16="http://schemas.microsoft.com/office/drawing/2014/main" id="{6320335F-5D40-B78F-766B-967C472D26FE}"/>
               </a:ext>
             </a:extLst>
           </p:cNvPr>
@@ -2100,7 +2100,7 @@
           <p:cNvPr id="4" name="灯片编号占位符 3">
             <a:extLst>
               <a:ext uri="{FF2B5EF4-FFF2-40B4-BE49-F238E27FC236}">
-                <a16:creationId xmlns:a16="http://schemas.microsoft.com/office/drawing/2014/main" id="{F807F95E-A4AA-ECAF-6D3B-DCA3CD06CD90}"/>
+                <a16:creationId xmlns:a16="http://schemas.microsoft.com/office/drawing/2014/main" id="{6A488EB1-5879-92C3-7FD4-6B16D5F64E83}"/>
               </a:ext>
             </a:extLst>
           </p:cNvPr>
@@ -2116,7 +2116,7 @@
           <a:bodyPr/>
           <a:lstStyle/>
           <a:p>
-            <a:fld id="{DA1193EF-FE4B-4AFC-B1CF-7A4C3D8796F4}" type="slidenum">
+            <a:fld id="{4F729B2E-1993-4557-85E3-8507ACEA7470}" type="slidenum">
               <a:rPr lang="zh-CN" altLang="en-US" smtClean="0"/>
               <a:t>‹#›</a:t>
             </a:fld>
@@ -2127,7 +2127,7 @@
     </p:spTree>
     <p:extLst>
       <p:ext uri="{BB962C8B-B14F-4D97-AF65-F5344CB8AC3E}">
-        <p14:creationId xmlns:p14="http://schemas.microsoft.com/office/powerpoint/2010/main" val="814081530"/>
+        <p14:creationId xmlns:p14="http://schemas.microsoft.com/office/powerpoint/2010/main" val="1603944659"/>
       </p:ext>
     </p:extLst>
   </p:cSld>
@@ -2159,7 +2159,7 @@
           <p:cNvPr id="2" name="标题 1">
             <a:extLst>
               <a:ext uri="{FF2B5EF4-FFF2-40B4-BE49-F238E27FC236}">
-                <a16:creationId xmlns:a16="http://schemas.microsoft.com/office/drawing/2014/main" id="{534D464C-D65B-E234-831B-E0FB848D3A81}"/>
+                <a16:creationId xmlns:a16="http://schemas.microsoft.com/office/drawing/2014/main" id="{8130A098-0708-2EFA-41AE-7C342C8044CC}"/>
               </a:ext>
             </a:extLst>
           </p:cNvPr>
@@ -2196,7 +2196,7 @@
           <p:cNvPr id="3" name="内容占位符 2">
             <a:extLst>
               <a:ext uri="{FF2B5EF4-FFF2-40B4-BE49-F238E27FC236}">
-                <a16:creationId xmlns:a16="http://schemas.microsoft.com/office/drawing/2014/main" id="{C7D6A97D-F752-62CA-FD44-89FAEA0EC7E7}"/>
+                <a16:creationId xmlns:a16="http://schemas.microsoft.com/office/drawing/2014/main" id="{3A9FC2B3-1761-7495-8BAE-C40B6FDD9FF8}"/>
               </a:ext>
             </a:extLst>
           </p:cNvPr>
@@ -2286,7 +2286,7 @@
           <p:cNvPr id="4" name="文本占位符 3">
             <a:extLst>
               <a:ext uri="{FF2B5EF4-FFF2-40B4-BE49-F238E27FC236}">
-                <a16:creationId xmlns:a16="http://schemas.microsoft.com/office/drawing/2014/main" id="{C2DA15FE-ED7C-6147-510E-C388A5F228B1}"/>
+                <a16:creationId xmlns:a16="http://schemas.microsoft.com/office/drawing/2014/main" id="{DA605C81-D0F0-37DF-EE86-501A7927FC2D}"/>
               </a:ext>
             </a:extLst>
           </p:cNvPr>
@@ -2357,7 +2357,7 @@
           <p:cNvPr id="5" name="日期占位符 4">
             <a:extLst>
               <a:ext uri="{FF2B5EF4-FFF2-40B4-BE49-F238E27FC236}">
-                <a16:creationId xmlns:a16="http://schemas.microsoft.com/office/drawing/2014/main" id="{56D1E771-C74A-1A95-C522-9FB0F6F72971}"/>
+                <a16:creationId xmlns:a16="http://schemas.microsoft.com/office/drawing/2014/main" id="{1CFFD1B3-52E8-04A4-3D45-91D969CFF17C}"/>
               </a:ext>
             </a:extLst>
           </p:cNvPr>
@@ -2373,7 +2373,7 @@
           <a:bodyPr/>
           <a:lstStyle/>
           <a:p>
-            <a:fld id="{64EB96BA-9E1F-474C-A472-7B4805F35CB2}" type="datetimeFigureOut">
+            <a:fld id="{5D09D671-7445-4B1A-8ACF-7B288C200A3B}" type="datetimeFigureOut">
               <a:rPr lang="zh-CN" altLang="en-US" smtClean="0"/>
               <a:t>2024/3/10</a:t>
             </a:fld>
@@ -2386,7 +2386,7 @@
           <p:cNvPr id="6" name="页脚占位符 5">
             <a:extLst>
               <a:ext uri="{FF2B5EF4-FFF2-40B4-BE49-F238E27FC236}">
-                <a16:creationId xmlns:a16="http://schemas.microsoft.com/office/drawing/2014/main" id="{6FE7276E-C2A0-EFCF-0AEB-AD9AEDE1EE5F}"/>
+                <a16:creationId xmlns:a16="http://schemas.microsoft.com/office/drawing/2014/main" id="{DD00F980-97EF-4B12-8128-77481DA973B1}"/>
               </a:ext>
             </a:extLst>
           </p:cNvPr>
@@ -2411,7 +2411,7 @@
           <p:cNvPr id="7" name="灯片编号占位符 6">
             <a:extLst>
               <a:ext uri="{FF2B5EF4-FFF2-40B4-BE49-F238E27FC236}">
-                <a16:creationId xmlns:a16="http://schemas.microsoft.com/office/drawing/2014/main" id="{5DA012DE-764D-9A0A-59A4-333DAA669F5E}"/>
+                <a16:creationId xmlns:a16="http://schemas.microsoft.com/office/drawing/2014/main" id="{298EF543-74C6-1F03-6770-575D5DE6B5DE}"/>
               </a:ext>
             </a:extLst>
           </p:cNvPr>
@@ -2427,7 +2427,7 @@
           <a:bodyPr/>
           <a:lstStyle/>
           <a:p>
-            <a:fld id="{DA1193EF-FE4B-4AFC-B1CF-7A4C3D8796F4}" type="slidenum">
+            <a:fld id="{4F729B2E-1993-4557-85E3-8507ACEA7470}" type="slidenum">
               <a:rPr lang="zh-CN" altLang="en-US" smtClean="0"/>
               <a:t>‹#›</a:t>
             </a:fld>
@@ -2438,7 +2438,7 @@
     </p:spTree>
     <p:extLst>
       <p:ext uri="{BB962C8B-B14F-4D97-AF65-F5344CB8AC3E}">
-        <p14:creationId xmlns:p14="http://schemas.microsoft.com/office/powerpoint/2010/main" val="3992115926"/>
+        <p14:creationId xmlns:p14="http://schemas.microsoft.com/office/powerpoint/2010/main" val="2320048125"/>
       </p:ext>
     </p:extLst>
   </p:cSld>
@@ -2470,7 +2470,7 @@
           <p:cNvPr id="2" name="标题 1">
             <a:extLst>
               <a:ext uri="{FF2B5EF4-FFF2-40B4-BE49-F238E27FC236}">
-                <a16:creationId xmlns:a16="http://schemas.microsoft.com/office/drawing/2014/main" id="{E2BCEB78-FA95-907B-53A2-4F62D8FBC94A}"/>
+                <a16:creationId xmlns:a16="http://schemas.microsoft.com/office/drawing/2014/main" id="{9BAA3A3E-8F28-CBA3-E0F6-798E6F187223}"/>
               </a:ext>
             </a:extLst>
           </p:cNvPr>
@@ -2507,7 +2507,7 @@
           <p:cNvPr id="3" name="图片占位符 2">
             <a:extLst>
               <a:ext uri="{FF2B5EF4-FFF2-40B4-BE49-F238E27FC236}">
-                <a16:creationId xmlns:a16="http://schemas.microsoft.com/office/drawing/2014/main" id="{878AB4E0-0FC9-1D48-60F3-2554EEC663E3}"/>
+                <a16:creationId xmlns:a16="http://schemas.microsoft.com/office/drawing/2014/main" id="{F872D56F-86EF-3BAB-4231-9593DA5D71FD}"/>
               </a:ext>
             </a:extLst>
           </p:cNvPr>
@@ -2574,7 +2574,7 @@
           <p:cNvPr id="4" name="文本占位符 3">
             <a:extLst>
               <a:ext uri="{FF2B5EF4-FFF2-40B4-BE49-F238E27FC236}">
-                <a16:creationId xmlns:a16="http://schemas.microsoft.com/office/drawing/2014/main" id="{2A9E4A50-AA7C-9131-156B-D469142AC851}"/>
+                <a16:creationId xmlns:a16="http://schemas.microsoft.com/office/drawing/2014/main" id="{FD548D3B-EE18-B1CE-8876-86BB609C8D1A}"/>
               </a:ext>
             </a:extLst>
           </p:cNvPr>
@@ -2645,7 +2645,7 @@
           <p:cNvPr id="5" name="日期占位符 4">
             <a:extLst>
               <a:ext uri="{FF2B5EF4-FFF2-40B4-BE49-F238E27FC236}">
-                <a16:creationId xmlns:a16="http://schemas.microsoft.com/office/drawing/2014/main" id="{1DDC7AF0-9C8B-D50C-E8F3-0E0F2FDCE7ED}"/>
+                <a16:creationId xmlns:a16="http://schemas.microsoft.com/office/drawing/2014/main" id="{521CBFA7-CF2E-0A9D-450B-BC9B94395376}"/>
               </a:ext>
             </a:extLst>
           </p:cNvPr>
@@ -2661,7 +2661,7 @@
           <a:bodyPr/>
           <a:lstStyle/>
           <a:p>
-            <a:fld id="{64EB96BA-9E1F-474C-A472-7B4805F35CB2}" type="datetimeFigureOut">
+            <a:fld id="{5D09D671-7445-4B1A-8ACF-7B288C200A3B}" type="datetimeFigureOut">
               <a:rPr lang="zh-CN" altLang="en-US" smtClean="0"/>
               <a:t>2024/3/10</a:t>
             </a:fld>
@@ -2674,7 +2674,7 @@
           <p:cNvPr id="6" name="页脚占位符 5">
             <a:extLst>
               <a:ext uri="{FF2B5EF4-FFF2-40B4-BE49-F238E27FC236}">
-                <a16:creationId xmlns:a16="http://schemas.microsoft.com/office/drawing/2014/main" id="{0661BE96-D007-3D3B-353C-643DF734F973}"/>
+                <a16:creationId xmlns:a16="http://schemas.microsoft.com/office/drawing/2014/main" id="{12F62684-DB07-CB5F-64A4-BC635D57013F}"/>
               </a:ext>
             </a:extLst>
           </p:cNvPr>
@@ -2699,7 +2699,7 @@
           <p:cNvPr id="7" name="灯片编号占位符 6">
             <a:extLst>
               <a:ext uri="{FF2B5EF4-FFF2-40B4-BE49-F238E27FC236}">
-                <a16:creationId xmlns:a16="http://schemas.microsoft.com/office/drawing/2014/main" id="{1725814F-0DBB-B5CB-4180-2520D3ACB098}"/>
+                <a16:creationId xmlns:a16="http://schemas.microsoft.com/office/drawing/2014/main" id="{93F04CED-B894-B8AD-4E4F-634DB2CF4CFB}"/>
               </a:ext>
             </a:extLst>
           </p:cNvPr>
@@ -2715,7 +2715,7 @@
           <a:bodyPr/>
           <a:lstStyle/>
           <a:p>
-            <a:fld id="{DA1193EF-FE4B-4AFC-B1CF-7A4C3D8796F4}" type="slidenum">
+            <a:fld id="{4F729B2E-1993-4557-85E3-8507ACEA7470}" type="slidenum">
               <a:rPr lang="zh-CN" altLang="en-US" smtClean="0"/>
               <a:t>‹#›</a:t>
             </a:fld>
@@ -2726,7 +2726,7 @@
     </p:spTree>
     <p:extLst>
       <p:ext uri="{BB962C8B-B14F-4D97-AF65-F5344CB8AC3E}">
-        <p14:creationId xmlns:p14="http://schemas.microsoft.com/office/powerpoint/2010/main" val="4256127126"/>
+        <p14:creationId xmlns:p14="http://schemas.microsoft.com/office/powerpoint/2010/main" val="1262696317"/>
       </p:ext>
     </p:extLst>
   </p:cSld>
@@ -2763,7 +2763,7 @@
           <p:cNvPr id="2" name="标题占位符 1">
             <a:extLst>
               <a:ext uri="{FF2B5EF4-FFF2-40B4-BE49-F238E27FC236}">
-                <a16:creationId xmlns:a16="http://schemas.microsoft.com/office/drawing/2014/main" id="{E47DE5DA-369E-87D9-BD04-74B5E74BBAEE}"/>
+                <a16:creationId xmlns:a16="http://schemas.microsoft.com/office/drawing/2014/main" id="{647EE740-7365-7F67-5BAB-C4EAC31D02AF}"/>
               </a:ext>
             </a:extLst>
           </p:cNvPr>
@@ -2801,7 +2801,7 @@
           <p:cNvPr id="3" name="文本占位符 2">
             <a:extLst>
               <a:ext uri="{FF2B5EF4-FFF2-40B4-BE49-F238E27FC236}">
-                <a16:creationId xmlns:a16="http://schemas.microsoft.com/office/drawing/2014/main" id="{74208280-4ABD-8C85-B504-9B262374C92E}"/>
+                <a16:creationId xmlns:a16="http://schemas.microsoft.com/office/drawing/2014/main" id="{48703090-B756-1F9A-6FC9-AEFA441BAF40}"/>
               </a:ext>
             </a:extLst>
           </p:cNvPr>
@@ -2868,7 +2868,7 @@
           <p:cNvPr id="4" name="日期占位符 3">
             <a:extLst>
               <a:ext uri="{FF2B5EF4-FFF2-40B4-BE49-F238E27FC236}">
-                <a16:creationId xmlns:a16="http://schemas.microsoft.com/office/drawing/2014/main" id="{55481481-4028-DB89-9CFE-A8356E7E81A4}"/>
+                <a16:creationId xmlns:a16="http://schemas.microsoft.com/office/drawing/2014/main" id="{99DC5824-265C-2538-085D-E61F1C6D7179}"/>
               </a:ext>
             </a:extLst>
           </p:cNvPr>
@@ -2902,7 +2902,7 @@
             </a:lvl1pPr>
           </a:lstStyle>
           <a:p>
-            <a:fld id="{64EB96BA-9E1F-474C-A472-7B4805F35CB2}" type="datetimeFigureOut">
+            <a:fld id="{5D09D671-7445-4B1A-8ACF-7B288C200A3B}" type="datetimeFigureOut">
               <a:rPr lang="zh-CN" altLang="en-US" smtClean="0"/>
               <a:t>2024/3/10</a:t>
             </a:fld>
@@ -2915,7 +2915,7 @@
           <p:cNvPr id="5" name="页脚占位符 4">
             <a:extLst>
               <a:ext uri="{FF2B5EF4-FFF2-40B4-BE49-F238E27FC236}">
-                <a16:creationId xmlns:a16="http://schemas.microsoft.com/office/drawing/2014/main" id="{BE0EA1FF-1211-85D7-C63B-ED15B90F2021}"/>
+                <a16:creationId xmlns:a16="http://schemas.microsoft.com/office/drawing/2014/main" id="{1F740ED3-2D56-2EA2-6518-26BC1A41A140}"/>
               </a:ext>
             </a:extLst>
           </p:cNvPr>
@@ -2958,7 +2958,7 @@
           <p:cNvPr id="6" name="灯片编号占位符 5">
             <a:extLst>
               <a:ext uri="{FF2B5EF4-FFF2-40B4-BE49-F238E27FC236}">
-                <a16:creationId xmlns:a16="http://schemas.microsoft.com/office/drawing/2014/main" id="{7C4CBF03-C4E3-2884-953F-DE1DED849D5F}"/>
+                <a16:creationId xmlns:a16="http://schemas.microsoft.com/office/drawing/2014/main" id="{751E60CD-E8A4-FCA8-0075-D507D587BD65}"/>
               </a:ext>
             </a:extLst>
           </p:cNvPr>
@@ -2992,7 +2992,7 @@
             </a:lvl1pPr>
           </a:lstStyle>
           <a:p>
-            <a:fld id="{DA1193EF-FE4B-4AFC-B1CF-7A4C3D8796F4}" type="slidenum">
+            <a:fld id="{4F729B2E-1993-4557-85E3-8507ACEA7470}" type="slidenum">
               <a:rPr lang="zh-CN" altLang="en-US" smtClean="0"/>
               <a:t>‹#›</a:t>
             </a:fld>
@@ -3003,7 +3003,7 @@
     </p:spTree>
     <p:extLst>
       <p:ext uri="{BB962C8B-B14F-4D97-AF65-F5344CB8AC3E}">
-        <p14:creationId xmlns:p14="http://schemas.microsoft.com/office/powerpoint/2010/main" val="3048788798"/>
+        <p14:creationId xmlns:p14="http://schemas.microsoft.com/office/powerpoint/2010/main" val="835521981"/>
       </p:ext>
     </p:extLst>
   </p:cSld>
@@ -3323,7 +3323,7 @@
       </p:grpSpPr>
       <p:pic>
         <p:nvPicPr>
-          <p:cNvPr id="1004546" name="Picture 2" descr="980"/>
+          <p:cNvPr id="1005570" name="Picture 2" descr="981"/>
           <p:cNvPicPr>
             <a:picLocks noChangeAspect="1" noChangeArrowheads="1"/>
           </p:cNvPicPr>
@@ -3344,8 +3344,8 @@
         </p:blipFill>
         <p:spPr bwMode="auto">
           <a:xfrm>
-            <a:off x="1524000" y="1"/>
-            <a:ext cx="9144000" cy="5229225"/>
+            <a:off x="1524000" y="0"/>
+            <a:ext cx="9144000" cy="6858000"/>
           </a:xfrm>
           <a:prstGeom prst="rect">
             <a:avLst/>
